--- a/발표자료/발표 피피티/13주차_발표피피티_four_elSe ver1.1.pptx
+++ b/발표자료/발표 피피티/13주차_발표피피티_four_elSe ver1.1.pptx
@@ -6561,11 +6561,19 @@
             </a:pPr>
             <a:r>
               <a:rPr lang="en-US" altLang="ko-KR" sz="1400" dirty="0"/>
-              <a:t>Stacked convolution Autoencoder</a:t>
+              <a:t>pretrained</a:t>
             </a:r>
             <a:r>
               <a:rPr lang="ko-KR" altLang="en-US" sz="1400" dirty="0"/>
-              <a:t>를 기반으로 이미지 검색 모듈 개발 </a:t>
+              <a:t>된 </a:t>
+            </a:r>
+            <a:r>
+              <a:rPr lang="en-US" altLang="ko-KR" sz="1400" dirty="0"/>
+              <a:t>vgg19 </a:t>
+            </a:r>
+            <a:r>
+              <a:rPr lang="ko-KR" altLang="en-US" sz="1400" dirty="0"/>
+              <a:t>모델을 기반으로 이미지 검색 모듈 개발 </a:t>
             </a:r>
             <a:r>
               <a:rPr lang="ko-KR" altLang="en-US" sz="1400" dirty="0" err="1"/>
@@ -6660,6 +6668,7 @@
               <a:rPr lang="ko-KR" altLang="en-US" sz="1400" dirty="0"/>
               <a:t>다음은 이미지 검색을 모듈테스트 결과</a:t>
             </a:r>
+            <a:endParaRPr lang="en-US" altLang="ko-KR" sz="1400" dirty="0"/>
           </a:p>
         </p:txBody>
       </p:sp>
@@ -9170,30 +9179,15 @@
 </file>
 
 <file path=customXml/item1.xml><?xml version="1.0" encoding="utf-8"?>
-<p:properties xmlns:p="http://schemas.microsoft.com/office/2006/metadata/properties" xmlns:xsi="http://www.w3.org/2001/XMLSchema-instance" xmlns:pc="http://schemas.microsoft.com/office/infopath/2007/PartnerControls">
-  <documentManagement/>
-</p:properties>
+<?mso-contentType ?>
+<FormTemplates xmlns="http://schemas.microsoft.com/sharepoint/v3/contenttype/forms">
+  <Display>DocumentLibraryForm</Display>
+  <Edit>DocumentLibraryForm</Edit>
+  <New>DocumentLibraryForm</New>
+</FormTemplates>
 </file>
 
 <file path=customXml/item2.xml><?xml version="1.0" encoding="utf-8"?>
-<Control xmlns="http://schemas.microsoft.com/VisualStudio/2011/storyboarding/control">
-  <Id Name="25bb4478-a45b-48d2-be07-a5568eabefbb" Revision="1" Stencil="System.MyShapes" StencilVersion="1.0"/>
-</Control>
-</file>
-
-<file path=customXml/item3.xml><?xml version="1.0" encoding="utf-8"?>
-<Control xmlns="http://schemas.microsoft.com/VisualStudio/2011/storyboarding/control">
-  <Id Name="25bb4478-a45b-48d2-be07-a5568eabefbb" Revision="1" Stencil="System.MyShapes" StencilVersion="1.0"/>
-</Control>
-</file>
-
-<file path=customXml/item4.xml><?xml version="1.0" encoding="utf-8"?>
-<Control xmlns="http://schemas.microsoft.com/VisualStudio/2011/storyboarding/control">
-  <Id Name="25bb4478-a45b-48d2-be07-a5568eabefbb" Revision="1" Stencil="System.MyShapes" StencilVersion="1.0"/>
-</Control>
-</file>
-
-<file path=customXml/item5.xml><?xml version="1.0" encoding="utf-8"?>
 <ct:contentTypeSchema xmlns:ct="http://schemas.microsoft.com/office/2006/metadata/contentType" xmlns:ma="http://schemas.microsoft.com/office/2006/metadata/properties/metaAttributes" ct:_="" ma:_="" ma:contentTypeName="문서" ma:contentTypeID="0x0101007936768FB90E7A4985DB4E996F17E97E" ma:contentTypeVersion="8" ma:contentTypeDescription="새 문서를 만듭니다." ma:contentTypeScope="" ma:versionID="600640d311c6add58e97da0626f06e74">
   <xsd:schema xmlns:xsd="http://www.w3.org/2001/XMLSchema" xmlns:xs="http://www.w3.org/2001/XMLSchema" xmlns:p="http://schemas.microsoft.com/office/2006/metadata/properties" xmlns:ns3="57bc2cd6-cfd7-42e3-8135-9688bd54b490" targetNamespace="http://schemas.microsoft.com/office/2006/metadata/properties" ma:root="true" ma:fieldsID="c1e69de895f177a528112846ccf70984" ns3:_="">
     <xsd:import namespace="57bc2cd6-cfd7-42e3-8135-9688bd54b490"/>
@@ -9363,56 +9357,39 @@
 </ct:contentTypeSchema>
 </file>
 
+<file path=customXml/item3.xml><?xml version="1.0" encoding="utf-8"?>
+<Control xmlns="http://schemas.microsoft.com/VisualStudio/2011/storyboarding/control">
+  <Id Name="25bb4478-a45b-48d2-be07-a5568eabefbb" Revision="1" Stencil="System.MyShapes" StencilVersion="1.0"/>
+</Control>
+</file>
+
+<file path=customXml/item4.xml><?xml version="1.0" encoding="utf-8"?>
+<Control xmlns="http://schemas.microsoft.com/VisualStudio/2011/storyboarding/control">
+  <Id Name="25bb4478-a45b-48d2-be07-a5568eabefbb" Revision="1" Stencil="System.MyShapes" StencilVersion="1.0"/>
+</Control>
+</file>
+
+<file path=customXml/item5.xml><?xml version="1.0" encoding="utf-8"?>
+<Control xmlns="http://schemas.microsoft.com/VisualStudio/2011/storyboarding/control">
+  <Id Name="25bb4478-a45b-48d2-be07-a5568eabefbb" Revision="1" Stencil="System.MyShapes" StencilVersion="1.0"/>
+</Control>
+</file>
+
 <file path=customXml/item6.xml><?xml version="1.0" encoding="utf-8"?>
-<?mso-contentType ?>
-<FormTemplates xmlns="http://schemas.microsoft.com/sharepoint/v3/contenttype/forms">
-  <Display>DocumentLibraryForm</Display>
-  <Edit>DocumentLibraryForm</Edit>
-  <New>DocumentLibraryForm</New>
-</FormTemplates>
+<p:properties xmlns:p="http://schemas.microsoft.com/office/2006/metadata/properties" xmlns:xsi="http://www.w3.org/2001/XMLSchema-instance" xmlns:pc="http://schemas.microsoft.com/office/infopath/2007/PartnerControls">
+  <documentManagement/>
+</p:properties>
 </file>
 
 <file path=customXml/itemProps1.xml><?xml version="1.0" encoding="utf-8"?>
-<ds:datastoreItem xmlns:ds="http://schemas.openxmlformats.org/officeDocument/2006/customXml" ds:itemID="{3D09EFFD-B63B-4966-8171-9C7425D3869B}">
+<ds:datastoreItem xmlns:ds="http://schemas.openxmlformats.org/officeDocument/2006/customXml" ds:itemID="{8B6FED39-8698-438C-AF26-9F666E895645}">
   <ds:schemaRefs>
-    <ds:schemaRef ds:uri="57bc2cd6-cfd7-42e3-8135-9688bd54b490"/>
-    <ds:schemaRef ds:uri="http://purl.org/dc/dcmitype/"/>
-    <ds:schemaRef ds:uri="http://purl.org/dc/elements/1.1/"/>
-    <ds:schemaRef ds:uri="http://purl.org/dc/terms/"/>
-    <ds:schemaRef ds:uri="http://schemas.microsoft.com/office/2006/documentManagement/types"/>
-    <ds:schemaRef ds:uri="http://schemas.microsoft.com/office/2006/metadata/properties"/>
-    <ds:schemaRef ds:uri="http://schemas.microsoft.com/office/infopath/2007/PartnerControls"/>
-    <ds:schemaRef ds:uri="http://schemas.openxmlformats.org/package/2006/metadata/core-properties"/>
-    <ds:schemaRef ds:uri="http://www.w3.org/XML/1998/namespace"/>
+    <ds:schemaRef ds:uri="http://schemas.microsoft.com/sharepoint/v3/contenttype/forms"/>
   </ds:schemaRefs>
 </ds:datastoreItem>
 </file>
 
 <file path=customXml/itemProps2.xml><?xml version="1.0" encoding="utf-8"?>
-<ds:datastoreItem xmlns:ds="http://schemas.openxmlformats.org/officeDocument/2006/customXml" ds:itemID="{60DAC259-07A6-4CF1-8D5F-27F2542FECA7}">
-  <ds:schemaRefs>
-    <ds:schemaRef ds:uri="http://schemas.microsoft.com/VisualStudio/2011/storyboarding/control"/>
-  </ds:schemaRefs>
-</ds:datastoreItem>
-</file>
-
-<file path=customXml/itemProps3.xml><?xml version="1.0" encoding="utf-8"?>
-<ds:datastoreItem xmlns:ds="http://schemas.openxmlformats.org/officeDocument/2006/customXml" ds:itemID="{6EF68454-A7F5-469A-AB0D-6CCA5D12DB56}">
-  <ds:schemaRefs>
-    <ds:schemaRef ds:uri="http://schemas.microsoft.com/VisualStudio/2011/storyboarding/control"/>
-  </ds:schemaRefs>
-</ds:datastoreItem>
-</file>
-
-<file path=customXml/itemProps4.xml><?xml version="1.0" encoding="utf-8"?>
-<ds:datastoreItem xmlns:ds="http://schemas.openxmlformats.org/officeDocument/2006/customXml" ds:itemID="{0E436CF9-DC82-4BEA-BDAF-C01ED6615052}">
-  <ds:schemaRefs>
-    <ds:schemaRef ds:uri="http://schemas.microsoft.com/VisualStudio/2011/storyboarding/control"/>
-  </ds:schemaRefs>
-</ds:datastoreItem>
-</file>
-
-<file path=customXml/itemProps5.xml><?xml version="1.0" encoding="utf-8"?>
 <ds:datastoreItem xmlns:ds="http://schemas.openxmlformats.org/officeDocument/2006/customXml" ds:itemID="{23ED7075-E59F-4605-A036-4EB8D246BFBD}">
   <ds:schemaRefs>
     <ds:schemaRef ds:uri="57bc2cd6-cfd7-42e3-8135-9688bd54b490"/>
@@ -9430,10 +9407,42 @@
 </ds:datastoreItem>
 </file>
 
+<file path=customXml/itemProps3.xml><?xml version="1.0" encoding="utf-8"?>
+<ds:datastoreItem xmlns:ds="http://schemas.openxmlformats.org/officeDocument/2006/customXml" ds:itemID="{0E436CF9-DC82-4BEA-BDAF-C01ED6615052}">
+  <ds:schemaRefs>
+    <ds:schemaRef ds:uri="http://schemas.microsoft.com/VisualStudio/2011/storyboarding/control"/>
+  </ds:schemaRefs>
+</ds:datastoreItem>
+</file>
+
+<file path=customXml/itemProps4.xml><?xml version="1.0" encoding="utf-8"?>
+<ds:datastoreItem xmlns:ds="http://schemas.openxmlformats.org/officeDocument/2006/customXml" ds:itemID="{6EF68454-A7F5-469A-AB0D-6CCA5D12DB56}">
+  <ds:schemaRefs>
+    <ds:schemaRef ds:uri="http://schemas.microsoft.com/VisualStudio/2011/storyboarding/control"/>
+  </ds:schemaRefs>
+</ds:datastoreItem>
+</file>
+
+<file path=customXml/itemProps5.xml><?xml version="1.0" encoding="utf-8"?>
+<ds:datastoreItem xmlns:ds="http://schemas.openxmlformats.org/officeDocument/2006/customXml" ds:itemID="{60DAC259-07A6-4CF1-8D5F-27F2542FECA7}">
+  <ds:schemaRefs>
+    <ds:schemaRef ds:uri="http://schemas.microsoft.com/VisualStudio/2011/storyboarding/control"/>
+  </ds:schemaRefs>
+</ds:datastoreItem>
+</file>
+
 <file path=customXml/itemProps6.xml><?xml version="1.0" encoding="utf-8"?>
-<ds:datastoreItem xmlns:ds="http://schemas.openxmlformats.org/officeDocument/2006/customXml" ds:itemID="{8B6FED39-8698-438C-AF26-9F666E895645}">
+<ds:datastoreItem xmlns:ds="http://schemas.openxmlformats.org/officeDocument/2006/customXml" ds:itemID="{3D09EFFD-B63B-4966-8171-9C7425D3869B}">
   <ds:schemaRefs>
-    <ds:schemaRef ds:uri="http://schemas.microsoft.com/sharepoint/v3/contenttype/forms"/>
+    <ds:schemaRef ds:uri="57bc2cd6-cfd7-42e3-8135-9688bd54b490"/>
+    <ds:schemaRef ds:uri="http://purl.org/dc/dcmitype/"/>
+    <ds:schemaRef ds:uri="http://purl.org/dc/elements/1.1/"/>
+    <ds:schemaRef ds:uri="http://purl.org/dc/terms/"/>
+    <ds:schemaRef ds:uri="http://schemas.microsoft.com/office/2006/documentManagement/types"/>
+    <ds:schemaRef ds:uri="http://schemas.microsoft.com/office/2006/metadata/properties"/>
+    <ds:schemaRef ds:uri="http://schemas.microsoft.com/office/infopath/2007/PartnerControls"/>
+    <ds:schemaRef ds:uri="http://schemas.openxmlformats.org/package/2006/metadata/core-properties"/>
+    <ds:schemaRef ds:uri="http://www.w3.org/XML/1998/namespace"/>
   </ds:schemaRefs>
 </ds:datastoreItem>
 </file>
--- a/발표자료/발표 피피티/13주차_발표피피티_four_elSe ver1.1.pptx
+++ b/발표자료/발표 피피티/13주차_발표피피티_four_elSe ver1.1.pptx
@@ -4546,11 +4546,11 @@
             <a:pPr algn="r"/>
             <a:r>
               <a:rPr lang="en-US" altLang="ko-KR" sz="2400" b="1" dirty="0"/>
-              <a:t>2021</a:t>
+              <a:t>2021. 05. </a:t>
             </a:r>
             <a:r>
               <a:rPr lang="en-US" altLang="ko-KR" sz="2400" b="1"/>
-              <a:t>. 05. 11</a:t>
+              <a:t>25</a:t>
             </a:r>
             <a:endParaRPr lang="en-US" altLang="ko-KR" sz="2400" b="1" dirty="0"/>
           </a:p>
@@ -9179,15 +9179,6 @@
 </file>
 
 <file path=customXml/item1.xml><?xml version="1.0" encoding="utf-8"?>
-<?mso-contentType ?>
-<FormTemplates xmlns="http://schemas.microsoft.com/sharepoint/v3/contenttype/forms">
-  <Display>DocumentLibraryForm</Display>
-  <Edit>DocumentLibraryForm</Edit>
-  <New>DocumentLibraryForm</New>
-</FormTemplates>
-</file>
-
-<file path=customXml/item2.xml><?xml version="1.0" encoding="utf-8"?>
 <ct:contentTypeSchema xmlns:ct="http://schemas.microsoft.com/office/2006/metadata/contentType" xmlns:ma="http://schemas.microsoft.com/office/2006/metadata/properties/metaAttributes" ct:_="" ma:_="" ma:contentTypeName="문서" ma:contentTypeID="0x0101007936768FB90E7A4985DB4E996F17E97E" ma:contentTypeVersion="8" ma:contentTypeDescription="새 문서를 만듭니다." ma:contentTypeScope="" ma:versionID="600640d311c6add58e97da0626f06e74">
   <xsd:schema xmlns:xsd="http://www.w3.org/2001/XMLSchema" xmlns:xs="http://www.w3.org/2001/XMLSchema" xmlns:p="http://schemas.microsoft.com/office/2006/metadata/properties" xmlns:ns3="57bc2cd6-cfd7-42e3-8135-9688bd54b490" targetNamespace="http://schemas.microsoft.com/office/2006/metadata/properties" ma:root="true" ma:fieldsID="c1e69de895f177a528112846ccf70984" ns3:_="">
     <xsd:import namespace="57bc2cd6-cfd7-42e3-8135-9688bd54b490"/>
@@ -9357,10 +9348,19 @@
 </ct:contentTypeSchema>
 </file>
 
+<file path=customXml/item2.xml><?xml version="1.0" encoding="utf-8"?>
+<?mso-contentType ?>
+<FormTemplates xmlns="http://schemas.microsoft.com/sharepoint/v3/contenttype/forms">
+  <Display>DocumentLibraryForm</Display>
+  <Edit>DocumentLibraryForm</Edit>
+  <New>DocumentLibraryForm</New>
+</FormTemplates>
+</file>
+
 <file path=customXml/item3.xml><?xml version="1.0" encoding="utf-8"?>
-<Control xmlns="http://schemas.microsoft.com/VisualStudio/2011/storyboarding/control">
-  <Id Name="25bb4478-a45b-48d2-be07-a5568eabefbb" Revision="1" Stencil="System.MyShapes" StencilVersion="1.0"/>
-</Control>
+<p:properties xmlns:p="http://schemas.microsoft.com/office/2006/metadata/properties" xmlns:xsi="http://www.w3.org/2001/XMLSchema-instance" xmlns:pc="http://schemas.microsoft.com/office/infopath/2007/PartnerControls">
+  <documentManagement/>
+</p:properties>
 </file>
 
 <file path=customXml/item4.xml><?xml version="1.0" encoding="utf-8"?>
@@ -9376,20 +9376,12 @@
 </file>
 
 <file path=customXml/item6.xml><?xml version="1.0" encoding="utf-8"?>
-<p:properties xmlns:p="http://schemas.microsoft.com/office/2006/metadata/properties" xmlns:xsi="http://www.w3.org/2001/XMLSchema-instance" xmlns:pc="http://schemas.microsoft.com/office/infopath/2007/PartnerControls">
-  <documentManagement/>
-</p:properties>
+<Control xmlns="http://schemas.microsoft.com/VisualStudio/2011/storyboarding/control">
+  <Id Name="25bb4478-a45b-48d2-be07-a5568eabefbb" Revision="1" Stencil="System.MyShapes" StencilVersion="1.0"/>
+</Control>
 </file>
 
 <file path=customXml/itemProps1.xml><?xml version="1.0" encoding="utf-8"?>
-<ds:datastoreItem xmlns:ds="http://schemas.openxmlformats.org/officeDocument/2006/customXml" ds:itemID="{8B6FED39-8698-438C-AF26-9F666E895645}">
-  <ds:schemaRefs>
-    <ds:schemaRef ds:uri="http://schemas.microsoft.com/sharepoint/v3/contenttype/forms"/>
-  </ds:schemaRefs>
-</ds:datastoreItem>
-</file>
-
-<file path=customXml/itemProps2.xml><?xml version="1.0" encoding="utf-8"?>
 <ds:datastoreItem xmlns:ds="http://schemas.openxmlformats.org/officeDocument/2006/customXml" ds:itemID="{23ED7075-E59F-4605-A036-4EB8D246BFBD}">
   <ds:schemaRefs>
     <ds:schemaRef ds:uri="57bc2cd6-cfd7-42e3-8135-9688bd54b490"/>
@@ -9407,31 +9399,15 @@
 </ds:datastoreItem>
 </file>
 
-<file path=customXml/itemProps3.xml><?xml version="1.0" encoding="utf-8"?>
-<ds:datastoreItem xmlns:ds="http://schemas.openxmlformats.org/officeDocument/2006/customXml" ds:itemID="{0E436CF9-DC82-4BEA-BDAF-C01ED6615052}">
+<file path=customXml/itemProps2.xml><?xml version="1.0" encoding="utf-8"?>
+<ds:datastoreItem xmlns:ds="http://schemas.openxmlformats.org/officeDocument/2006/customXml" ds:itemID="{8B6FED39-8698-438C-AF26-9F666E895645}">
   <ds:schemaRefs>
-    <ds:schemaRef ds:uri="http://schemas.microsoft.com/VisualStudio/2011/storyboarding/control"/>
+    <ds:schemaRef ds:uri="http://schemas.microsoft.com/sharepoint/v3/contenttype/forms"/>
   </ds:schemaRefs>
 </ds:datastoreItem>
 </file>
 
-<file path=customXml/itemProps4.xml><?xml version="1.0" encoding="utf-8"?>
-<ds:datastoreItem xmlns:ds="http://schemas.openxmlformats.org/officeDocument/2006/customXml" ds:itemID="{6EF68454-A7F5-469A-AB0D-6CCA5D12DB56}">
-  <ds:schemaRefs>
-    <ds:schemaRef ds:uri="http://schemas.microsoft.com/VisualStudio/2011/storyboarding/control"/>
-  </ds:schemaRefs>
-</ds:datastoreItem>
-</file>
-
-<file path=customXml/itemProps5.xml><?xml version="1.0" encoding="utf-8"?>
-<ds:datastoreItem xmlns:ds="http://schemas.openxmlformats.org/officeDocument/2006/customXml" ds:itemID="{60DAC259-07A6-4CF1-8D5F-27F2542FECA7}">
-  <ds:schemaRefs>
-    <ds:schemaRef ds:uri="http://schemas.microsoft.com/VisualStudio/2011/storyboarding/control"/>
-  </ds:schemaRefs>
-</ds:datastoreItem>
-</file>
-
-<file path=customXml/itemProps6.xml><?xml version="1.0" encoding="utf-8"?>
+<file path=customXml/itemProps3.xml><?xml version="1.0" encoding="utf-8"?>
 <ds:datastoreItem xmlns:ds="http://schemas.openxmlformats.org/officeDocument/2006/customXml" ds:itemID="{3D09EFFD-B63B-4966-8171-9C7425D3869B}">
   <ds:schemaRefs>
     <ds:schemaRef ds:uri="57bc2cd6-cfd7-42e3-8135-9688bd54b490"/>
@@ -9445,4 +9421,28 @@
     <ds:schemaRef ds:uri="http://www.w3.org/XML/1998/namespace"/>
   </ds:schemaRefs>
 </ds:datastoreItem>
+</file>
+
+<file path=customXml/itemProps4.xml><?xml version="1.0" encoding="utf-8"?>
+<ds:datastoreItem xmlns:ds="http://schemas.openxmlformats.org/officeDocument/2006/customXml" ds:itemID="{60DAC259-07A6-4CF1-8D5F-27F2542FECA7}">
+  <ds:schemaRefs>
+    <ds:schemaRef ds:uri="http://schemas.microsoft.com/VisualStudio/2011/storyboarding/control"/>
+  </ds:schemaRefs>
+</ds:datastoreItem>
+</file>
+
+<file path=customXml/itemProps5.xml><?xml version="1.0" encoding="utf-8"?>
+<ds:datastoreItem xmlns:ds="http://schemas.openxmlformats.org/officeDocument/2006/customXml" ds:itemID="{6EF68454-A7F5-469A-AB0D-6CCA5D12DB56}">
+  <ds:schemaRefs>
+    <ds:schemaRef ds:uri="http://schemas.microsoft.com/VisualStudio/2011/storyboarding/control"/>
+  </ds:schemaRefs>
+</ds:datastoreItem>
+</file>
+
+<file path=customXml/itemProps6.xml><?xml version="1.0" encoding="utf-8"?>
+<ds:datastoreItem xmlns:ds="http://schemas.openxmlformats.org/officeDocument/2006/customXml" ds:itemID="{0E436CF9-DC82-4BEA-BDAF-C01ED6615052}">
+  <ds:schemaRefs>
+    <ds:schemaRef ds:uri="http://schemas.microsoft.com/VisualStudio/2011/storyboarding/control"/>
+  </ds:schemaRefs>
+</ds:datastoreItem>
 </file>